--- a/Calendario2025/Presentaciones/3_ModeloOSI.pptx
+++ b/Calendario2025/Presentaciones/3_ModeloOSI.pptx
@@ -251,7 +251,7 @@
           <a:p>
             <a:fld id="{2D445F07-8756-451B-A938-0248325FC7BB}" type="datetimeFigureOut">
               <a:rPr lang="es-MX" smtClean="0"/>
-              <a:t>27/10/2024</a:t>
+              <a:t>09/02/2025</a:t>
             </a:fld>
             <a:endParaRPr lang="es-MX" dirty="0"/>
           </a:p>
@@ -3812,7 +3812,7 @@
           <a:p>
             <a:fld id="{5E75A0DC-66C6-4CEC-A5EB-F8C97CEC3796}" type="datetimeFigureOut">
               <a:rPr lang="es-MX" smtClean="0"/>
-              <a:t>27/10/2024</a:t>
+              <a:t>09/02/2025</a:t>
             </a:fld>
             <a:endParaRPr lang="es-MX" dirty="0"/>
           </a:p>
@@ -3982,7 +3982,7 @@
           <a:p>
             <a:fld id="{5E75A0DC-66C6-4CEC-A5EB-F8C97CEC3796}" type="datetimeFigureOut">
               <a:rPr lang="es-MX" smtClean="0"/>
-              <a:t>27/10/2024</a:t>
+              <a:t>09/02/2025</a:t>
             </a:fld>
             <a:endParaRPr lang="es-MX" dirty="0"/>
           </a:p>
@@ -4162,7 +4162,7 @@
           <a:p>
             <a:fld id="{5E75A0DC-66C6-4CEC-A5EB-F8C97CEC3796}" type="datetimeFigureOut">
               <a:rPr lang="es-MX" smtClean="0"/>
-              <a:t>27/10/2024</a:t>
+              <a:t>09/02/2025</a:t>
             </a:fld>
             <a:endParaRPr lang="es-MX" dirty="0"/>
           </a:p>
@@ -4637,7 +4637,7 @@
           <a:p>
             <a:fld id="{5E75A0DC-66C6-4CEC-A5EB-F8C97CEC3796}" type="datetimeFigureOut">
               <a:rPr lang="es-MX" smtClean="0"/>
-              <a:t>27/10/2024</a:t>
+              <a:t>09/02/2025</a:t>
             </a:fld>
             <a:endParaRPr lang="es-MX" dirty="0"/>
           </a:p>
@@ -4883,7 +4883,7 @@
           <a:p>
             <a:fld id="{5E75A0DC-66C6-4CEC-A5EB-F8C97CEC3796}" type="datetimeFigureOut">
               <a:rPr lang="es-MX" smtClean="0"/>
-              <a:t>27/10/2024</a:t>
+              <a:t>09/02/2025</a:t>
             </a:fld>
             <a:endParaRPr lang="es-MX" dirty="0"/>
           </a:p>
@@ -5171,7 +5171,7 @@
           <a:p>
             <a:fld id="{5E75A0DC-66C6-4CEC-A5EB-F8C97CEC3796}" type="datetimeFigureOut">
               <a:rPr lang="es-MX" smtClean="0"/>
-              <a:t>27/10/2024</a:t>
+              <a:t>09/02/2025</a:t>
             </a:fld>
             <a:endParaRPr lang="es-MX" dirty="0"/>
           </a:p>
@@ -5593,7 +5593,7 @@
           <a:p>
             <a:fld id="{5E75A0DC-66C6-4CEC-A5EB-F8C97CEC3796}" type="datetimeFigureOut">
               <a:rPr lang="es-MX" smtClean="0"/>
-              <a:t>27/10/2024</a:t>
+              <a:t>09/02/2025</a:t>
             </a:fld>
             <a:endParaRPr lang="es-MX" dirty="0"/>
           </a:p>
@@ -5711,7 +5711,7 @@
           <a:p>
             <a:fld id="{5E75A0DC-66C6-4CEC-A5EB-F8C97CEC3796}" type="datetimeFigureOut">
               <a:rPr lang="es-MX" smtClean="0"/>
-              <a:t>27/10/2024</a:t>
+              <a:t>09/02/2025</a:t>
             </a:fld>
             <a:endParaRPr lang="es-MX" dirty="0"/>
           </a:p>
@@ -5806,7 +5806,7 @@
           <a:p>
             <a:fld id="{5E75A0DC-66C6-4CEC-A5EB-F8C97CEC3796}" type="datetimeFigureOut">
               <a:rPr lang="es-MX" smtClean="0"/>
-              <a:t>27/10/2024</a:t>
+              <a:t>09/02/2025</a:t>
             </a:fld>
             <a:endParaRPr lang="es-MX" dirty="0"/>
           </a:p>
@@ -6083,7 +6083,7 @@
           <a:p>
             <a:fld id="{5E75A0DC-66C6-4CEC-A5EB-F8C97CEC3796}" type="datetimeFigureOut">
               <a:rPr lang="es-MX" smtClean="0"/>
-              <a:t>27/10/2024</a:t>
+              <a:t>09/02/2025</a:t>
             </a:fld>
             <a:endParaRPr lang="es-MX" dirty="0"/>
           </a:p>
@@ -6336,7 +6336,7 @@
           <a:p>
             <a:fld id="{5E75A0DC-66C6-4CEC-A5EB-F8C97CEC3796}" type="datetimeFigureOut">
               <a:rPr lang="es-MX" smtClean="0"/>
-              <a:t>27/10/2024</a:t>
+              <a:t>09/02/2025</a:t>
             </a:fld>
             <a:endParaRPr lang="es-MX" dirty="0"/>
           </a:p>
@@ -6549,7 +6549,7 @@
           <a:p>
             <a:fld id="{5E75A0DC-66C6-4CEC-A5EB-F8C97CEC3796}" type="datetimeFigureOut">
               <a:rPr lang="es-MX" smtClean="0"/>
-              <a:t>27/10/2024</a:t>
+              <a:t>09/02/2025</a:t>
             </a:fld>
             <a:endParaRPr lang="es-MX" dirty="0"/>
           </a:p>
@@ -49443,17 +49443,14 @@
               </a:rPr>
               <a:t>El modelo OSI es el principal modelo de redes de comunicaciones</a:t>
             </a:r>
-            <a:r>
-              <a:rPr lang="es-MX" sz="2000" dirty="0">
-                <a:solidFill>
-                  <a:schemeClr val="bg2">
-                    <a:lumMod val="25000"/>
-                  </a:schemeClr>
-                </a:solidFill>
-                <a:latin typeface="Calibri" panose="020F0502020204030204" pitchFamily="34" charset="0"/>
-              </a:rPr>
-              <a:t>.</a:t>
-            </a:r>
+            <a:endParaRPr lang="es-MX" sz="2000" dirty="0">
+              <a:solidFill>
+                <a:schemeClr val="bg2">
+                  <a:lumMod val="25000"/>
+                </a:schemeClr>
+              </a:solidFill>
+              <a:latin typeface="Calibri" panose="020F0502020204030204" pitchFamily="34" charset="0"/>
+            </a:endParaRPr>
           </a:p>
         </p:txBody>
       </p:sp>
